--- a/aws_sra_examples/solutions/config/config_management_account/documentation/config-management-account.pptx
+++ b/aws_sra_examples/solutions/config/config_management_account/documentation/config-management-account.pptx
@@ -197,7 +197,7 @@
           <a:p>
             <a:fld id="{FD8D84E3-00BA-4A46-8256-7E527D8B4480}" type="datetimeFigureOut">
               <a:rPr lang="en-US" smtClean="0"/>
-              <a:t>12/16/21</a:t>
+              <a:t>3/7/22</a:t>
             </a:fld>
             <a:endParaRPr lang="en-US"/>
           </a:p>
@@ -695,7 +695,7 @@
           <a:p>
             <a:fld id="{9FE185F7-9B28-9F45-9F43-9CB5A0B99390}" type="datetimeFigureOut">
               <a:rPr lang="en-US" smtClean="0"/>
-              <a:t>12/16/21</a:t>
+              <a:t>3/7/22</a:t>
             </a:fld>
             <a:endParaRPr lang="en-US"/>
           </a:p>
@@ -893,7 +893,7 @@
           <a:p>
             <a:fld id="{9FE185F7-9B28-9F45-9F43-9CB5A0B99390}" type="datetimeFigureOut">
               <a:rPr lang="en-US" smtClean="0"/>
-              <a:t>12/16/21</a:t>
+              <a:t>3/7/22</a:t>
             </a:fld>
             <a:endParaRPr lang="en-US"/>
           </a:p>
@@ -1101,7 +1101,7 @@
           <a:p>
             <a:fld id="{9FE185F7-9B28-9F45-9F43-9CB5A0B99390}" type="datetimeFigureOut">
               <a:rPr lang="en-US" smtClean="0"/>
-              <a:t>12/16/21</a:t>
+              <a:t>3/7/22</a:t>
             </a:fld>
             <a:endParaRPr lang="en-US"/>
           </a:p>
@@ -1299,7 +1299,7 @@
           <a:p>
             <a:fld id="{9FE185F7-9B28-9F45-9F43-9CB5A0B99390}" type="datetimeFigureOut">
               <a:rPr lang="en-US" smtClean="0"/>
-              <a:t>12/16/21</a:t>
+              <a:t>3/7/22</a:t>
             </a:fld>
             <a:endParaRPr lang="en-US"/>
           </a:p>
@@ -1574,7 +1574,7 @@
           <a:p>
             <a:fld id="{9FE185F7-9B28-9F45-9F43-9CB5A0B99390}" type="datetimeFigureOut">
               <a:rPr lang="en-US" smtClean="0"/>
-              <a:t>12/16/21</a:t>
+              <a:t>3/7/22</a:t>
             </a:fld>
             <a:endParaRPr lang="en-US"/>
           </a:p>
@@ -1839,7 +1839,7 @@
           <a:p>
             <a:fld id="{9FE185F7-9B28-9F45-9F43-9CB5A0B99390}" type="datetimeFigureOut">
               <a:rPr lang="en-US" smtClean="0"/>
-              <a:t>12/16/21</a:t>
+              <a:t>3/7/22</a:t>
             </a:fld>
             <a:endParaRPr lang="en-US"/>
           </a:p>
@@ -2251,7 +2251,7 @@
           <a:p>
             <a:fld id="{9FE185F7-9B28-9F45-9F43-9CB5A0B99390}" type="datetimeFigureOut">
               <a:rPr lang="en-US" smtClean="0"/>
-              <a:t>12/16/21</a:t>
+              <a:t>3/7/22</a:t>
             </a:fld>
             <a:endParaRPr lang="en-US"/>
           </a:p>
@@ -2392,7 +2392,7 @@
           <a:p>
             <a:fld id="{9FE185F7-9B28-9F45-9F43-9CB5A0B99390}" type="datetimeFigureOut">
               <a:rPr lang="en-US" smtClean="0"/>
-              <a:t>12/16/21</a:t>
+              <a:t>3/7/22</a:t>
             </a:fld>
             <a:endParaRPr lang="en-US"/>
           </a:p>
@@ -2505,7 +2505,7 @@
           <a:p>
             <a:fld id="{9FE185F7-9B28-9F45-9F43-9CB5A0B99390}" type="datetimeFigureOut">
               <a:rPr lang="en-US" smtClean="0"/>
-              <a:t>12/16/21</a:t>
+              <a:t>3/7/22</a:t>
             </a:fld>
             <a:endParaRPr lang="en-US"/>
           </a:p>
@@ -2816,7 +2816,7 @@
           <a:p>
             <a:fld id="{9FE185F7-9B28-9F45-9F43-9CB5A0B99390}" type="datetimeFigureOut">
               <a:rPr lang="en-US" smtClean="0"/>
-              <a:t>12/16/21</a:t>
+              <a:t>3/7/22</a:t>
             </a:fld>
             <a:endParaRPr lang="en-US"/>
           </a:p>
@@ -3104,7 +3104,7 @@
           <a:p>
             <a:fld id="{9FE185F7-9B28-9F45-9F43-9CB5A0B99390}" type="datetimeFigureOut">
               <a:rPr lang="en-US" smtClean="0"/>
-              <a:t>12/16/21</a:t>
+              <a:t>3/7/22</a:t>
             </a:fld>
             <a:endParaRPr lang="en-US"/>
           </a:p>
@@ -3345,7 +3345,7 @@
           <a:p>
             <a:fld id="{9FE185F7-9B28-9F45-9F43-9CB5A0B99390}" type="datetimeFigureOut">
               <a:rPr lang="en-US" smtClean="0"/>
-              <a:t>12/16/21</a:t>
+              <a:t>3/7/22</a:t>
             </a:fld>
             <a:endParaRPr lang="en-US"/>
           </a:p>
@@ -3776,8 +3776,8 @@
         </p:nvSpPr>
         <p:spPr>
           <a:xfrm>
-            <a:off x="2429889" y="845199"/>
-            <a:ext cx="7521507" cy="4505013"/>
+            <a:off x="3465784" y="832412"/>
+            <a:ext cx="5844472" cy="4219170"/>
           </a:xfrm>
           <a:prstGeom prst="rect">
             <a:avLst/>
@@ -3949,7 +3949,7 @@
         </p:blipFill>
         <p:spPr>
           <a:xfrm>
-            <a:off x="2429921" y="848352"/>
+            <a:off x="3465815" y="835564"/>
             <a:ext cx="330200" cy="330200"/>
           </a:xfrm>
           <a:prstGeom prst="rect">
@@ -3971,8 +3971,8 @@
         </p:nvSpPr>
         <p:spPr>
           <a:xfrm>
-            <a:off x="2560002" y="1260625"/>
-            <a:ext cx="4657921" cy="3933053"/>
+            <a:off x="3595896" y="1247838"/>
+            <a:ext cx="3859981" cy="3696512"/>
           </a:xfrm>
           <a:prstGeom prst="rect">
             <a:avLst/>
@@ -4038,8 +4038,8 @@
         </p:nvSpPr>
         <p:spPr>
           <a:xfrm>
-            <a:off x="2519542" y="3579066"/>
-            <a:ext cx="1307240" cy="430887"/>
+            <a:off x="3704824" y="3878639"/>
+            <a:ext cx="1232810" cy="430887"/>
           </a:xfrm>
           <a:prstGeom prst="rect">
             <a:avLst/>
@@ -4091,8 +4091,8 @@
         </p:blipFill>
         <p:spPr>
           <a:xfrm>
-            <a:off x="2895584" y="2990672"/>
-            <a:ext cx="555156" cy="555156"/>
+            <a:off x="4092629" y="3432306"/>
+            <a:ext cx="457200" cy="457200"/>
           </a:xfrm>
           <a:prstGeom prst="rect">
             <a:avLst/>
@@ -4101,10 +4101,10 @@
       </p:pic>
       <p:sp>
         <p:nvSpPr>
-          <p:cNvPr id="153" name="Rectangle 152">
-            <a:extLst>
-              <a:ext uri="{FF2B5EF4-FFF2-40B4-BE49-F238E27FC236}">
-                <a16:creationId xmlns:a16="http://schemas.microsoft.com/office/drawing/2014/main" id="{CB91CC3D-9B41-4F4E-A36E-8EBAE5690590}"/>
+          <p:cNvPr id="226" name="Oval 225">
+            <a:extLst>
+              <a:ext uri="{FF2B5EF4-FFF2-40B4-BE49-F238E27FC236}">
+                <a16:creationId xmlns:a16="http://schemas.microsoft.com/office/drawing/2014/main" id="{B075B0CF-8F6A-3947-BD02-50EB6DA85CEE}"/>
               </a:ext>
             </a:extLst>
           </p:cNvPr>
@@ -4113,69 +4113,7 @@
         </p:nvSpPr>
         <p:spPr>
           <a:xfrm>
-            <a:off x="3892970" y="1644866"/>
-            <a:ext cx="3149856" cy="3432972"/>
-          </a:xfrm>
-          <a:prstGeom prst="rect">
-            <a:avLst/>
-          </a:prstGeom>
-          <a:noFill/>
-          <a:ln w="12700">
-            <a:solidFill>
-              <a:schemeClr val="tx1"/>
-            </a:solidFill>
-            <a:prstDash val="dash"/>
-          </a:ln>
-        </p:spPr>
-        <p:style>
-          <a:lnRef idx="2">
-            <a:schemeClr val="accent1">
-              <a:shade val="50000"/>
-            </a:schemeClr>
-          </a:lnRef>
-          <a:fillRef idx="1">
-            <a:schemeClr val="accent1"/>
-          </a:fillRef>
-          <a:effectRef idx="0">
-            <a:schemeClr val="accent1"/>
-          </a:effectRef>
-          <a:fontRef idx="minor">
-            <a:schemeClr val="lt1"/>
-          </a:fontRef>
-        </p:style>
-        <p:txBody>
-          <a:bodyPr rot="0" spcFirstLastPara="0" vertOverflow="overflow" horzOverflow="overflow" vert="horz" wrap="square" lIns="91440" tIns="91440" rIns="91440" bIns="45720" numCol="1" spcCol="0" rtlCol="0" fromWordArt="0" anchor="t" anchorCtr="0" forceAA="0" compatLnSpc="1">
-            <a:prstTxWarp prst="textNoShape">
-              <a:avLst/>
-            </a:prstTxWarp>
-            <a:noAutofit/>
-          </a:bodyPr>
-          <a:lstStyle/>
-          <a:p>
-            <a:pPr algn="ctr"/>
-            <a:endParaRPr lang="en-US" sz="1400" dirty="0">
-              <a:solidFill>
-                <a:srgbClr val="5A6B86"/>
-              </a:solidFill>
-            </a:endParaRPr>
-          </a:p>
-        </p:txBody>
-      </p:sp>
-      <p:sp>
-        <p:nvSpPr>
-          <p:cNvPr id="226" name="Oval 225">
-            <a:extLst>
-              <a:ext uri="{FF2B5EF4-FFF2-40B4-BE49-F238E27FC236}">
-                <a16:creationId xmlns:a16="http://schemas.microsoft.com/office/drawing/2014/main" id="{B075B0CF-8F6A-3947-BD02-50EB6DA85CEE}"/>
-              </a:ext>
-            </a:extLst>
-          </p:cNvPr>
-          <p:cNvSpPr/>
-          <p:nvPr/>
-        </p:nvSpPr>
-        <p:spPr>
-          <a:xfrm>
-            <a:off x="2581963" y="1288056"/>
+            <a:off x="3617857" y="1275268"/>
             <a:ext cx="253435" cy="212902"/>
           </a:xfrm>
           <a:prstGeom prst="ellipse">
@@ -4235,7 +4173,7 @@
         </p:nvSpPr>
         <p:spPr>
           <a:xfrm>
-            <a:off x="2903614" y="2997377"/>
+            <a:off x="4100659" y="3439011"/>
             <a:ext cx="253435" cy="212902"/>
           </a:xfrm>
           <a:prstGeom prst="ellipse">
@@ -4281,63 +4219,22 @@
           </a:p>
         </p:txBody>
       </p:sp>
-      <p:cxnSp>
-        <p:nvCxnSpPr>
-          <p:cNvPr id="121" name="Straight Arrow Connector 120">
-            <a:extLst>
-              <a:ext uri="{FF2B5EF4-FFF2-40B4-BE49-F238E27FC236}">
-                <a16:creationId xmlns:a16="http://schemas.microsoft.com/office/drawing/2014/main" id="{07DFCE0F-B96F-3C42-AD61-09E20495F8DF}"/>
-              </a:ext>
-            </a:extLst>
-          </p:cNvPr>
-          <p:cNvCxnSpPr>
-            <a:cxnSpLocks/>
-          </p:cNvCxnSpPr>
+      <p:sp>
+        <p:nvSpPr>
+          <p:cNvPr id="68" name="Rectangle 67">
+            <a:extLst>
+              <a:ext uri="{FF2B5EF4-FFF2-40B4-BE49-F238E27FC236}">
+                <a16:creationId xmlns:a16="http://schemas.microsoft.com/office/drawing/2014/main" id="{F56113B6-D718-8249-9540-C31B7D054BDD}"/>
+              </a:ext>
+            </a:extLst>
+          </p:cNvPr>
+          <p:cNvSpPr/>
           <p:nvPr/>
-        </p:nvCxnSpPr>
+        </p:nvSpPr>
         <p:spPr>
           <a:xfrm>
-            <a:off x="3531780" y="3296574"/>
-            <a:ext cx="295002" cy="0"/>
-          </a:xfrm>
-          <a:prstGeom prst="straightConnector1">
-            <a:avLst/>
-          </a:prstGeom>
-          <a:ln>
-            <a:tailEnd type="triangle"/>
-          </a:ln>
-        </p:spPr>
-        <p:style>
-          <a:lnRef idx="1">
-            <a:schemeClr val="dk1"/>
-          </a:lnRef>
-          <a:fillRef idx="0">
-            <a:schemeClr val="dk1"/>
-          </a:fillRef>
-          <a:effectRef idx="0">
-            <a:schemeClr val="dk1"/>
-          </a:effectRef>
-          <a:fontRef idx="minor">
-            <a:schemeClr val="tx1"/>
-          </a:fontRef>
-        </p:style>
-      </p:cxnSp>
-      <p:sp>
-        <p:nvSpPr>
-          <p:cNvPr id="68" name="Rectangle 67">
-            <a:extLst>
-              <a:ext uri="{FF2B5EF4-FFF2-40B4-BE49-F238E27FC236}">
-                <a16:creationId xmlns:a16="http://schemas.microsoft.com/office/drawing/2014/main" id="{F56113B6-D718-8249-9540-C31B7D054BDD}"/>
-              </a:ext>
-            </a:extLst>
-          </p:cNvPr>
-          <p:cNvSpPr/>
-          <p:nvPr/>
-        </p:nvSpPr>
-        <p:spPr>
-          <a:xfrm>
-            <a:off x="4042383" y="2598455"/>
-            <a:ext cx="2844800" cy="2362651"/>
+            <a:off x="3702361" y="2585668"/>
+            <a:ext cx="3625194" cy="2220516"/>
           </a:xfrm>
           <a:prstGeom prst="rect">
             <a:avLst/>
@@ -4380,7 +4277,7 @@
                 <a:latin typeface="Arial" panose="020B0604020202020204" pitchFamily="34" charset="0"/>
                 <a:cs typeface="Arial" panose="020B0604020202020204" pitchFamily="34" charset="0"/>
               </a:rPr>
-              <a:t>Home region</a:t>
+              <a:t>Home-region</a:t>
             </a:r>
           </a:p>
         </p:txBody>
@@ -4399,7 +4296,7 @@
         </p:nvSpPr>
         <p:spPr>
           <a:xfrm>
-            <a:off x="5634384" y="3975191"/>
+            <a:off x="6120367" y="3924039"/>
             <a:ext cx="253435" cy="212902"/>
           </a:xfrm>
           <a:prstGeom prst="ellipse">
@@ -4459,7 +4356,7 @@
         </p:nvSpPr>
         <p:spPr>
           <a:xfrm>
-            <a:off x="6006556" y="2874663"/>
+            <a:off x="6492539" y="2823511"/>
             <a:ext cx="253435" cy="212902"/>
           </a:xfrm>
           <a:prstGeom prst="ellipse">
@@ -4522,7 +4419,7 @@
         </p:nvCxnSpPr>
         <p:spPr>
           <a:xfrm>
-            <a:off x="6133273" y="3809804"/>
+            <a:off x="6619256" y="3758652"/>
             <a:ext cx="0" cy="184981"/>
           </a:xfrm>
           <a:prstGeom prst="straightConnector1">
@@ -4563,7 +4460,7 @@
         </p:nvSpPr>
         <p:spPr bwMode="auto">
           <a:xfrm>
-            <a:off x="5495309" y="3553882"/>
+            <a:off x="5981292" y="3502730"/>
             <a:ext cx="1275929" cy="261610"/>
           </a:xfrm>
           <a:prstGeom prst="rect">
@@ -4737,7 +4634,7 @@
         </p:blipFill>
         <p:spPr bwMode="auto">
           <a:xfrm>
-            <a:off x="5904673" y="3100739"/>
+            <a:off x="6390656" y="3049587"/>
             <a:ext cx="457200" cy="457200"/>
           </a:xfrm>
           <a:prstGeom prst="rect">
@@ -4797,7 +4694,7 @@
         </p:blipFill>
         <p:spPr bwMode="auto">
           <a:xfrm>
-            <a:off x="5904673" y="3994785"/>
+            <a:off x="6390656" y="3943633"/>
             <a:ext cx="457200" cy="457200"/>
           </a:xfrm>
           <a:prstGeom prst="rect">
@@ -4844,7 +4741,7 @@
         </p:nvSpPr>
         <p:spPr bwMode="auto">
           <a:xfrm>
-            <a:off x="5551454" y="4426448"/>
+            <a:off x="6037437" y="4375296"/>
             <a:ext cx="1163639" cy="430887"/>
           </a:xfrm>
           <a:prstGeom prst="rect">
@@ -5005,7 +4902,7 @@
         </p:nvSpPr>
         <p:spPr bwMode="auto">
           <a:xfrm>
-            <a:off x="5573467" y="2157090"/>
+            <a:off x="6042950" y="2067961"/>
             <a:ext cx="1119613" cy="261610"/>
           </a:xfrm>
           <a:prstGeom prst="rect">
@@ -5179,7 +5076,7 @@
         </p:blipFill>
         <p:spPr bwMode="auto">
           <a:xfrm>
-            <a:off x="5904673" y="1849860"/>
+            <a:off x="6374156" y="1760731"/>
             <a:ext cx="457200" cy="457200"/>
           </a:xfrm>
           <a:prstGeom prst="rect">
@@ -5224,7 +5121,7 @@
         </p:nvSpPr>
         <p:spPr>
           <a:xfrm>
-            <a:off x="6006556" y="1715423"/>
+            <a:off x="6476039" y="1626294"/>
             <a:ext cx="253435" cy="212902"/>
           </a:xfrm>
           <a:prstGeom prst="ellipse">
@@ -5284,8 +5181,8 @@
         </p:nvSpPr>
         <p:spPr>
           <a:xfrm>
-            <a:off x="7358541" y="1256655"/>
-            <a:ext cx="2403569" cy="3933053"/>
+            <a:off x="7565774" y="1235977"/>
+            <a:ext cx="1635604" cy="1735926"/>
           </a:xfrm>
           <a:prstGeom prst="rect">
             <a:avLst/>
@@ -5351,7 +5248,7 @@
         </p:nvSpPr>
         <p:spPr>
           <a:xfrm>
-            <a:off x="7385371" y="1283829"/>
+            <a:off x="7592603" y="1263150"/>
             <a:ext cx="253435" cy="212902"/>
           </a:xfrm>
           <a:prstGeom prst="ellipse">
@@ -5408,8 +5305,8 @@
         </p:nvSpPr>
         <p:spPr>
           <a:xfrm>
-            <a:off x="7717266" y="2594484"/>
-            <a:ext cx="1730991" cy="2362653"/>
+            <a:off x="7884784" y="1618403"/>
+            <a:ext cx="1108127" cy="1242159"/>
           </a:xfrm>
           <a:prstGeom prst="rect">
             <a:avLst/>
@@ -5452,70 +5349,8 @@
                 <a:latin typeface="Arial" panose="020B0604020202020204" pitchFamily="34" charset="0"/>
                 <a:cs typeface="Arial" panose="020B0604020202020204" pitchFamily="34" charset="0"/>
               </a:rPr>
-              <a:t>Home region</a:t>
-            </a:r>
-          </a:p>
-        </p:txBody>
-      </p:sp>
-      <p:sp>
-        <p:nvSpPr>
-          <p:cNvPr id="119" name="Rectangle 118">
-            <a:extLst>
-              <a:ext uri="{FF2B5EF4-FFF2-40B4-BE49-F238E27FC236}">
-                <a16:creationId xmlns:a16="http://schemas.microsoft.com/office/drawing/2014/main" id="{A5E7579E-5813-6C45-9351-0103314E8B8A}"/>
-              </a:ext>
-            </a:extLst>
-          </p:cNvPr>
-          <p:cNvSpPr/>
-          <p:nvPr/>
-        </p:nvSpPr>
-        <p:spPr>
-          <a:xfrm>
-            <a:off x="7562637" y="1640897"/>
-            <a:ext cx="2022535" cy="3432970"/>
-          </a:xfrm>
-          <a:prstGeom prst="rect">
-            <a:avLst/>
-          </a:prstGeom>
-          <a:noFill/>
-          <a:ln w="12700">
-            <a:solidFill>
-              <a:schemeClr val="tx1"/>
-            </a:solidFill>
-            <a:prstDash val="dash"/>
-          </a:ln>
-        </p:spPr>
-        <p:style>
-          <a:lnRef idx="2">
-            <a:schemeClr val="accent1">
-              <a:shade val="50000"/>
-            </a:schemeClr>
-          </a:lnRef>
-          <a:fillRef idx="1">
-            <a:schemeClr val="accent1"/>
-          </a:fillRef>
-          <a:effectRef idx="0">
-            <a:schemeClr val="accent1"/>
-          </a:effectRef>
-          <a:fontRef idx="minor">
-            <a:schemeClr val="lt1"/>
-          </a:fontRef>
-        </p:style>
-        <p:txBody>
-          <a:bodyPr rot="0" spcFirstLastPara="0" vertOverflow="overflow" horzOverflow="overflow" vert="horz" wrap="square" lIns="91440" tIns="91440" rIns="91440" bIns="45720" numCol="1" spcCol="0" rtlCol="0" fromWordArt="0" anchor="t" anchorCtr="0" forceAA="0" compatLnSpc="1">
-            <a:prstTxWarp prst="textNoShape">
-              <a:avLst/>
-            </a:prstTxWarp>
-            <a:noAutofit/>
-          </a:bodyPr>
-          <a:lstStyle/>
-          <a:p>
-            <a:pPr algn="ctr"/>
-            <a:endParaRPr lang="en-US" sz="1400" dirty="0">
-              <a:solidFill>
-                <a:srgbClr val="5A6B86"/>
-              </a:solidFill>
-            </a:endParaRPr>
+              <a:t>Home-region</a:t>
+            </a:r>
           </a:p>
         </p:txBody>
       </p:sp>
@@ -5535,7 +5370,7 @@
         </p:nvSpPr>
         <p:spPr bwMode="auto">
           <a:xfrm>
-            <a:off x="3892969" y="2154394"/>
+            <a:off x="4752627" y="2097821"/>
             <a:ext cx="1519646" cy="430887"/>
           </a:xfrm>
           <a:prstGeom prst="rect">
@@ -5709,7 +5544,7 @@
         </p:blipFill>
         <p:spPr bwMode="auto">
           <a:xfrm>
-            <a:off x="4424192" y="1824150"/>
+            <a:off x="5283850" y="1767577"/>
             <a:ext cx="457200" cy="457200"/>
           </a:xfrm>
           <a:prstGeom prst="rect">
@@ -5769,8 +5604,8 @@
         </p:blipFill>
         <p:spPr bwMode="auto">
           <a:xfrm>
-            <a:off x="4373900" y="3449780"/>
-            <a:ext cx="557784" cy="557784"/>
+            <a:off x="5246108" y="3432306"/>
+            <a:ext cx="457200" cy="457200"/>
           </a:xfrm>
           <a:prstGeom prst="rect">
             <a:avLst/>
@@ -5816,7 +5651,7 @@
         </p:nvSpPr>
         <p:spPr bwMode="auto">
           <a:xfrm>
-            <a:off x="4134947" y="4010794"/>
+            <a:off x="4953055" y="3884820"/>
             <a:ext cx="1035691" cy="261610"/>
           </a:xfrm>
           <a:prstGeom prst="rect">
@@ -5975,7 +5810,7 @@
         </p:nvSpPr>
         <p:spPr>
           <a:xfrm>
-            <a:off x="4373900" y="3464591"/>
+            <a:off x="5264031" y="3438119"/>
             <a:ext cx="253435" cy="212902"/>
           </a:xfrm>
           <a:prstGeom prst="ellipse">
@@ -6035,7 +5870,7 @@
         </p:nvSpPr>
         <p:spPr>
           <a:xfrm>
-            <a:off x="4526075" y="1687002"/>
+            <a:off x="5385733" y="1630429"/>
             <a:ext cx="253435" cy="212902"/>
           </a:xfrm>
           <a:prstGeom prst="ellipse">
@@ -6110,8 +5945,8 @@
         </p:blipFill>
         <p:spPr bwMode="auto">
           <a:xfrm>
-            <a:off x="8304585" y="3449780"/>
-            <a:ext cx="557784" cy="557784"/>
+            <a:off x="8223240" y="1922642"/>
+            <a:ext cx="457200" cy="457200"/>
           </a:xfrm>
           <a:prstGeom prst="rect">
             <a:avLst/>
@@ -6157,7 +5992,7 @@
         </p:nvSpPr>
         <p:spPr bwMode="auto">
           <a:xfrm>
-            <a:off x="8105783" y="4010794"/>
+            <a:off x="7932234" y="2364287"/>
             <a:ext cx="1035691" cy="430887"/>
           </a:xfrm>
           <a:prstGeom prst="rect">
@@ -6327,7 +6162,7 @@
         </p:nvSpPr>
         <p:spPr>
           <a:xfrm>
-            <a:off x="8314313" y="3455147"/>
+            <a:off x="8232968" y="1928009"/>
             <a:ext cx="256032" cy="210312"/>
           </a:xfrm>
           <a:prstGeom prst="ellipse">
